--- a/WSLS/DataCorrection.pptx
+++ b/WSLS/DataCorrection.pptx
@@ -16,7 +16,6 @@
     <p:sldId id="270" r:id="rId10"/>
     <p:sldId id="257" r:id="rId11"/>
     <p:sldId id="266" r:id="rId12"/>
-    <p:sldId id="271" r:id="rId13"/>
   </p:sldIdLst>
   <p:sldSz cx="12192000" cy="6858000"/>
   <p:notesSz cx="6858000" cy="9144000"/>
@@ -2985,7 +2984,7 @@
           <p:cNvPr id="4" name="Title 1">
             <a:extLst>
               <a:ext uri="{FF2B5EF4-FFF2-40B4-BE49-F238E27FC236}">
-                <a16:creationId xmlns="" xmlns:a16="http://schemas.microsoft.com/office/drawing/2014/main" id="{28857740-9F26-C04F-8CC5-534196F2C324}"/>
+                <a16:creationId xmlns:a16="http://schemas.microsoft.com/office/drawing/2014/main" xmlns="" id="{28857740-9F26-C04F-8CC5-534196F2C324}"/>
               </a:ext>
             </a:extLst>
           </p:cNvPr>
@@ -3117,7 +3116,7 @@
           <p:cNvPr id="4" name="Straight Arrow Connector 3">
             <a:extLst>
               <a:ext uri="{FF2B5EF4-FFF2-40B4-BE49-F238E27FC236}">
-                <a16:creationId xmlns="" xmlns:a16="http://schemas.microsoft.com/office/drawing/2014/main" id="{6D938FC0-98E1-BE4B-92E7-3628D5F9891A}"/>
+                <a16:creationId xmlns:a16="http://schemas.microsoft.com/office/drawing/2014/main" xmlns="" id="{6D938FC0-98E1-BE4B-92E7-3628D5F9891A}"/>
               </a:ext>
             </a:extLst>
           </p:cNvPr>
@@ -3162,7 +3161,7 @@
           <p:cNvPr id="6" name="TextBox 5">
             <a:extLst>
               <a:ext uri="{FF2B5EF4-FFF2-40B4-BE49-F238E27FC236}">
-                <a16:creationId xmlns="" xmlns:a16="http://schemas.microsoft.com/office/drawing/2014/main" id="{7858C9E8-A3DE-8448-AF9A-E30BADCA89B8}"/>
+                <a16:creationId xmlns:a16="http://schemas.microsoft.com/office/drawing/2014/main" xmlns="" id="{7858C9E8-A3DE-8448-AF9A-E30BADCA89B8}"/>
               </a:ext>
             </a:extLst>
           </p:cNvPr>
@@ -3205,7 +3204,7 @@
           <p:cNvPr id="7" name="Straight Arrow Connector 6">
             <a:extLst>
               <a:ext uri="{FF2B5EF4-FFF2-40B4-BE49-F238E27FC236}">
-                <a16:creationId xmlns="" xmlns:a16="http://schemas.microsoft.com/office/drawing/2014/main" id="{691C899B-044B-0B46-851B-F8AB34F1D65D}"/>
+                <a16:creationId xmlns:a16="http://schemas.microsoft.com/office/drawing/2014/main" xmlns="" id="{691C899B-044B-0B46-851B-F8AB34F1D65D}"/>
               </a:ext>
             </a:extLst>
           </p:cNvPr>
@@ -3252,7 +3251,7 @@
           <p:cNvPr id="8" name="Straight Arrow Connector 7">
             <a:extLst>
               <a:ext uri="{FF2B5EF4-FFF2-40B4-BE49-F238E27FC236}">
-                <a16:creationId xmlns="" xmlns:a16="http://schemas.microsoft.com/office/drawing/2014/main" id="{810074C2-3355-854B-B2E6-3489185E20A3}"/>
+                <a16:creationId xmlns:a16="http://schemas.microsoft.com/office/drawing/2014/main" xmlns="" id="{810074C2-3355-854B-B2E6-3489185E20A3}"/>
               </a:ext>
             </a:extLst>
           </p:cNvPr>
@@ -3299,7 +3298,7 @@
           <p:cNvPr id="9" name="TextBox 8">
             <a:extLst>
               <a:ext uri="{FF2B5EF4-FFF2-40B4-BE49-F238E27FC236}">
-                <a16:creationId xmlns="" xmlns:a16="http://schemas.microsoft.com/office/drawing/2014/main" id="{5B130C70-C338-1749-A692-7AEC28C31866}"/>
+                <a16:creationId xmlns:a16="http://schemas.microsoft.com/office/drawing/2014/main" xmlns="" id="{5B130C70-C338-1749-A692-7AEC28C31866}"/>
               </a:ext>
             </a:extLst>
           </p:cNvPr>
@@ -3342,7 +3341,7 @@
           <p:cNvPr id="11" name="Straight Arrow Connector 6">
             <a:extLst>
               <a:ext uri="{FF2B5EF4-FFF2-40B4-BE49-F238E27FC236}">
-                <a16:creationId xmlns="" xmlns:a16="http://schemas.microsoft.com/office/drawing/2014/main" id="{691C899B-044B-0B46-851B-F8AB34F1D65D}"/>
+                <a16:creationId xmlns:a16="http://schemas.microsoft.com/office/drawing/2014/main" xmlns="" id="{691C899B-044B-0B46-851B-F8AB34F1D65D}"/>
               </a:ext>
             </a:extLst>
           </p:cNvPr>
@@ -3414,9 +3413,100 @@
           <a:chExt cx="0" cy="0"/>
         </a:xfrm>
       </p:grpSpPr>
+      <p:sp>
+        <p:nvSpPr>
+          <p:cNvPr id="2" name="Title 1">
+            <a:extLst>
+              <a:ext uri="{FF2B5EF4-FFF2-40B4-BE49-F238E27FC236}">
+                <a16:creationId xmlns:a16="http://schemas.microsoft.com/office/drawing/2014/main" xmlns="" id="{3E46E269-ED81-D54B-8ACC-DB9E4BF1C28D}"/>
+              </a:ext>
+            </a:extLst>
+          </p:cNvPr>
+          <p:cNvSpPr>
+            <a:spLocks noGrp="1"/>
+          </p:cNvSpPr>
+          <p:nvPr>
+            <p:ph type="title"/>
+          </p:nvPr>
+        </p:nvSpPr>
+        <p:spPr/>
+        <p:txBody>
+          <a:bodyPr/>
+          <a:lstStyle/>
+          <a:p>
+            <a:r>
+              <a:rPr lang="en-US" dirty="0"/>
+              <a:t>Effect on parameter </a:t>
+            </a:r>
+            <a:r>
+              <a:rPr lang="en-US" dirty="0" smtClean="0"/>
+              <a:t>recovery (</a:t>
+            </a:r>
+            <a:r>
+              <a:rPr lang="en-US" sz="3600" dirty="0" smtClean="0"/>
+              <a:t>Block estimation</a:t>
+            </a:r>
+            <a:r>
+              <a:rPr lang="en-US" dirty="0" smtClean="0"/>
+              <a:t>)</a:t>
+            </a:r>
+            <a:endParaRPr lang="en-US" dirty="0"/>
+          </a:p>
+        </p:txBody>
+      </p:sp>
+      <p:sp>
+        <p:nvSpPr>
+          <p:cNvPr id="8" name="CuadroTexto 7"/>
+          <p:cNvSpPr txBox="1"/>
+          <p:nvPr/>
+        </p:nvSpPr>
+        <p:spPr>
+          <a:xfrm>
+            <a:off x="5805816" y="5867828"/>
+            <a:ext cx="1568058" cy="369332"/>
+          </a:xfrm>
+          <a:prstGeom prst="rect">
+            <a:avLst/>
+          </a:prstGeom>
+          <a:noFill/>
+        </p:spPr>
+        <p:txBody>
+          <a:bodyPr wrap="none" rtlCol="0">
+            <a:spAutoFit/>
+          </a:bodyPr>
+          <a:lstStyle/>
+          <a:p>
+            <a:r>
+              <a:rPr lang="es-CO" dirty="0" err="1" smtClean="0">
+                <a:sym typeface="Symbol" panose="05050102010706020507" pitchFamily="18" charset="2"/>
+              </a:rPr>
+              <a:t>Good</a:t>
+            </a:r>
+            <a:r>
+              <a:rPr lang="es-CO" dirty="0" smtClean="0">
+                <a:sym typeface="Symbol" panose="05050102010706020507" pitchFamily="18" charset="2"/>
+              </a:rPr>
+              <a:t> </a:t>
+            </a:r>
+            <a:r>
+              <a:rPr lang="es-CO" dirty="0" err="1" smtClean="0">
+                <a:sym typeface="Symbol" panose="05050102010706020507" pitchFamily="18" charset="2"/>
+              </a:rPr>
+              <a:t>enough</a:t>
+            </a:r>
+            <a:r>
+              <a:rPr lang="es-CO" dirty="0" smtClean="0">
+                <a:sym typeface="Symbol" panose="05050102010706020507" pitchFamily="18" charset="2"/>
+              </a:rPr>
+              <a:t>?</a:t>
+            </a:r>
+            <a:endParaRPr lang="es-CO" dirty="0"/>
+          </a:p>
+        </p:txBody>
+      </p:sp>
       <p:pic>
         <p:nvPicPr>
-          <p:cNvPr id="4" name="Imagen 3"/>
+          <p:cNvPr id="3" name="Imagen 2"/>
           <p:cNvPicPr>
             <a:picLocks noChangeAspect="1"/>
           </p:cNvPicPr>
@@ -3430,8 +3520,8 @@
         </p:blipFill>
         <p:spPr>
           <a:xfrm>
-            <a:off x="6010483" y="2262140"/>
-            <a:ext cx="6073957" cy="3324844"/>
+            <a:off x="34571" y="2039430"/>
+            <a:ext cx="6061429" cy="3227514"/>
           </a:xfrm>
           <a:prstGeom prst="rect">
             <a:avLst/>
@@ -3440,7 +3530,7 @@
       </p:pic>
       <p:pic>
         <p:nvPicPr>
-          <p:cNvPr id="9" name="Imagen 8"/>
+          <p:cNvPr id="5" name="Imagen 4"/>
           <p:cNvPicPr>
             <a:picLocks noChangeAspect="1"/>
           </p:cNvPicPr>
@@ -3454,282 +3544,18 @@
         </p:blipFill>
         <p:spPr>
           <a:xfrm>
-            <a:off x="263134" y="2367724"/>
-            <a:ext cx="5747349" cy="3141964"/>
+            <a:off x="6231078" y="2322221"/>
+            <a:ext cx="5753580" cy="3063595"/>
           </a:xfrm>
           <a:prstGeom prst="rect">
             <a:avLst/>
           </a:prstGeom>
         </p:spPr>
       </p:pic>
-      <p:sp>
-        <p:nvSpPr>
-          <p:cNvPr id="2" name="Title 1">
-            <a:extLst>
-              <a:ext uri="{FF2B5EF4-FFF2-40B4-BE49-F238E27FC236}">
-                <a16:creationId xmlns="" xmlns:a16="http://schemas.microsoft.com/office/drawing/2014/main" id="{3E46E269-ED81-D54B-8ACC-DB9E4BF1C28D}"/>
-              </a:ext>
-            </a:extLst>
-          </p:cNvPr>
-          <p:cNvSpPr>
-            <a:spLocks noGrp="1"/>
-          </p:cNvSpPr>
-          <p:nvPr>
-            <p:ph type="title"/>
-          </p:nvPr>
-        </p:nvSpPr>
-        <p:spPr/>
-        <p:txBody>
-          <a:bodyPr/>
-          <a:lstStyle/>
-          <a:p>
-            <a:r>
-              <a:rPr lang="en-US" dirty="0"/>
-              <a:t>Effect on parameter </a:t>
-            </a:r>
-            <a:r>
-              <a:rPr lang="en-US" dirty="0" smtClean="0"/>
-              <a:t>recovery (Block estimation)</a:t>
-            </a:r>
-            <a:endParaRPr lang="en-US" dirty="0"/>
-          </a:p>
-        </p:txBody>
-      </p:sp>
-      <p:sp>
-        <p:nvSpPr>
-          <p:cNvPr id="6" name="CuadroTexto 5"/>
-          <p:cNvSpPr txBox="1"/>
-          <p:nvPr/>
-        </p:nvSpPr>
-        <p:spPr>
-          <a:xfrm>
-            <a:off x="2770632" y="1892808"/>
-            <a:ext cx="986039" cy="369332"/>
-          </a:xfrm>
-          <a:prstGeom prst="rect">
-            <a:avLst/>
-          </a:prstGeom>
-          <a:noFill/>
-        </p:spPr>
-        <p:txBody>
-          <a:bodyPr wrap="none" rtlCol="0">
-            <a:spAutoFit/>
-          </a:bodyPr>
-          <a:lstStyle/>
-          <a:p>
-            <a:r>
-              <a:rPr lang="es-CO" dirty="0" smtClean="0"/>
-              <a:t>Full data</a:t>
-            </a:r>
-            <a:endParaRPr lang="es-CO" dirty="0"/>
-          </a:p>
-        </p:txBody>
-      </p:sp>
-      <p:sp>
-        <p:nvSpPr>
-          <p:cNvPr id="7" name="CuadroTexto 6"/>
-          <p:cNvSpPr txBox="1"/>
-          <p:nvPr/>
-        </p:nvSpPr>
-        <p:spPr>
-          <a:xfrm>
-            <a:off x="7410496" y="1892808"/>
-            <a:ext cx="3247107" cy="369332"/>
-          </a:xfrm>
-          <a:prstGeom prst="rect">
-            <a:avLst/>
-          </a:prstGeom>
-          <a:noFill/>
-        </p:spPr>
-        <p:txBody>
-          <a:bodyPr wrap="none" rtlCol="0">
-            <a:spAutoFit/>
-          </a:bodyPr>
-          <a:lstStyle/>
-          <a:p>
-            <a:r>
-              <a:rPr lang="es-CO" dirty="0" err="1" smtClean="0"/>
-              <a:t>Only</a:t>
-            </a:r>
-            <a:r>
-              <a:rPr lang="es-CO" dirty="0" smtClean="0"/>
-              <a:t> rounds </a:t>
-            </a:r>
-            <a:r>
-              <a:rPr lang="es-CO" dirty="0" err="1" smtClean="0"/>
-              <a:t>with</a:t>
-            </a:r>
-            <a:r>
-              <a:rPr lang="es-CO" dirty="0" smtClean="0"/>
-              <a:t> </a:t>
-            </a:r>
-            <a:r>
-              <a:rPr lang="es-CO" dirty="0" err="1" smtClean="0"/>
-              <a:t>unicorn</a:t>
-            </a:r>
-            <a:r>
-              <a:rPr lang="es-CO" dirty="0" smtClean="0"/>
-              <a:t> </a:t>
-            </a:r>
-            <a:r>
-              <a:rPr lang="es-CO" dirty="0" err="1" smtClean="0"/>
-              <a:t>absent</a:t>
-            </a:r>
-            <a:endParaRPr lang="es-CO" dirty="0"/>
-          </a:p>
-        </p:txBody>
-      </p:sp>
-      <p:sp>
-        <p:nvSpPr>
-          <p:cNvPr id="8" name="CuadroTexto 7"/>
-          <p:cNvSpPr txBox="1"/>
-          <p:nvPr/>
-        </p:nvSpPr>
-        <p:spPr>
-          <a:xfrm>
-            <a:off x="9155395" y="5907024"/>
-            <a:ext cx="1568058" cy="369332"/>
-          </a:xfrm>
-          <a:prstGeom prst="rect">
-            <a:avLst/>
-          </a:prstGeom>
-          <a:noFill/>
-        </p:spPr>
-        <p:txBody>
-          <a:bodyPr wrap="none" rtlCol="0">
-            <a:spAutoFit/>
-          </a:bodyPr>
-          <a:lstStyle/>
-          <a:p>
-            <a:r>
-              <a:rPr lang="es-CO" dirty="0" err="1" smtClean="0">
-                <a:sym typeface="Symbol" panose="05050102010706020507" pitchFamily="18" charset="2"/>
-              </a:rPr>
-              <a:t>Good</a:t>
-            </a:r>
-            <a:r>
-              <a:rPr lang="es-CO" dirty="0" smtClean="0">
-                <a:sym typeface="Symbol" panose="05050102010706020507" pitchFamily="18" charset="2"/>
-              </a:rPr>
-              <a:t> </a:t>
-            </a:r>
-            <a:r>
-              <a:rPr lang="es-CO" dirty="0" err="1" smtClean="0">
-                <a:sym typeface="Symbol" panose="05050102010706020507" pitchFamily="18" charset="2"/>
-              </a:rPr>
-              <a:t>enough</a:t>
-            </a:r>
-            <a:r>
-              <a:rPr lang="es-CO" dirty="0" smtClean="0">
-                <a:sym typeface="Symbol" panose="05050102010706020507" pitchFamily="18" charset="2"/>
-              </a:rPr>
-              <a:t>?</a:t>
-            </a:r>
-            <a:endParaRPr lang="es-CO" dirty="0"/>
-          </a:p>
-        </p:txBody>
-      </p:sp>
     </p:spTree>
     <p:extLst>
       <p:ext uri="{BB962C8B-B14F-4D97-AF65-F5344CB8AC3E}">
         <p14:creationId xmlns:p14="http://schemas.microsoft.com/office/powerpoint/2010/main" val="3875116952"/>
-      </p:ext>
-    </p:extLst>
-  </p:cSld>
-  <p:clrMapOvr>
-    <a:masterClrMapping/>
-  </p:clrMapOvr>
-</p:sld>
-</file>
-
-<file path=ppt/slides/slide12.xml><?xml version="1.0" encoding="utf-8"?>
-<p:sld xmlns:a="http://schemas.openxmlformats.org/drawingml/2006/main" xmlns:r="http://schemas.openxmlformats.org/officeDocument/2006/relationships" xmlns:p="http://schemas.openxmlformats.org/presentationml/2006/main">
-  <p:cSld>
-    <p:spTree>
-      <p:nvGrpSpPr>
-        <p:cNvPr id="1" name=""/>
-        <p:cNvGrpSpPr/>
-        <p:nvPr/>
-      </p:nvGrpSpPr>
-      <p:grpSpPr>
-        <a:xfrm>
-          <a:off x="0" y="0"/>
-          <a:ext cx="0" cy="0"/>
-          <a:chOff x="0" y="0"/>
-          <a:chExt cx="0" cy="0"/>
-        </a:xfrm>
-      </p:grpSpPr>
-      <p:sp>
-        <p:nvSpPr>
-          <p:cNvPr id="2" name="Título 1"/>
-          <p:cNvSpPr>
-            <a:spLocks noGrp="1"/>
-          </p:cNvSpPr>
-          <p:nvPr>
-            <p:ph type="title"/>
-          </p:nvPr>
-        </p:nvSpPr>
-        <p:spPr/>
-        <p:txBody>
-          <a:bodyPr/>
-          <a:lstStyle/>
-          <a:p>
-            <a:r>
-              <a:rPr lang="es-CO" dirty="0" err="1" smtClean="0"/>
-              <a:t>Model</a:t>
-            </a:r>
-            <a:r>
-              <a:rPr lang="es-CO" dirty="0" smtClean="0"/>
-              <a:t> </a:t>
-            </a:r>
-            <a:r>
-              <a:rPr lang="es-CO" dirty="0" err="1" smtClean="0"/>
-              <a:t>recovery</a:t>
-            </a:r>
-            <a:r>
-              <a:rPr lang="es-CO" dirty="0" smtClean="0"/>
-              <a:t> (</a:t>
-            </a:r>
-            <a:r>
-              <a:rPr lang="es-CO" dirty="0" err="1" smtClean="0"/>
-              <a:t>corrected</a:t>
-            </a:r>
-            <a:r>
-              <a:rPr lang="es-CO" dirty="0" smtClean="0"/>
-              <a:t> data)</a:t>
-            </a:r>
-            <a:endParaRPr lang="es-CO" dirty="0"/>
-          </a:p>
-        </p:txBody>
-      </p:sp>
-      <p:pic>
-        <p:nvPicPr>
-          <p:cNvPr id="4" name="Imagen 3"/>
-          <p:cNvPicPr>
-            <a:picLocks noChangeAspect="1"/>
-          </p:cNvPicPr>
-          <p:nvPr/>
-        </p:nvPicPr>
-        <p:blipFill>
-          <a:blip r:embed="rId2"/>
-          <a:stretch>
-            <a:fillRect/>
-          </a:stretch>
-        </p:blipFill>
-        <p:spPr>
-          <a:xfrm>
-            <a:off x="1782649" y="1505619"/>
-            <a:ext cx="8352381" cy="5352381"/>
-          </a:xfrm>
-          <a:prstGeom prst="rect">
-            <a:avLst/>
-          </a:prstGeom>
-        </p:spPr>
-      </p:pic>
-    </p:spTree>
-    <p:extLst>
-      <p:ext uri="{BB962C8B-B14F-4D97-AF65-F5344CB8AC3E}">
-        <p14:creationId xmlns:p14="http://schemas.microsoft.com/office/powerpoint/2010/main" val="536905199"/>
       </p:ext>
     </p:extLst>
   </p:cSld>
@@ -4202,7 +4028,7 @@
           <p:cNvPr id="2" name="Title 1">
             <a:extLst>
               <a:ext uri="{FF2B5EF4-FFF2-40B4-BE49-F238E27FC236}">
-                <a16:creationId xmlns="" xmlns:a16="http://schemas.microsoft.com/office/drawing/2014/main" id="{D232E6B4-C860-6E4B-A678-30C4A534D1CE}"/>
+                <a16:creationId xmlns:a16="http://schemas.microsoft.com/office/drawing/2014/main" xmlns="" id="{D232E6B4-C860-6E4B-A678-30C4A534D1CE}"/>
               </a:ext>
             </a:extLst>
           </p:cNvPr>
@@ -4234,7 +4060,7 @@
           <p:cNvPr id="5" name="Straight Arrow Connector 4">
             <a:extLst>
               <a:ext uri="{FF2B5EF4-FFF2-40B4-BE49-F238E27FC236}">
-                <a16:creationId xmlns="" xmlns:a16="http://schemas.microsoft.com/office/drawing/2014/main" id="{99F2F860-FFFE-A444-9DBE-C9E99267503F}"/>
+                <a16:creationId xmlns:a16="http://schemas.microsoft.com/office/drawing/2014/main" xmlns="" id="{99F2F860-FFFE-A444-9DBE-C9E99267503F}"/>
               </a:ext>
             </a:extLst>
           </p:cNvPr>
@@ -4279,7 +4105,7 @@
           <p:cNvPr id="8" name="Straight Arrow Connector 7">
             <a:extLst>
               <a:ext uri="{FF2B5EF4-FFF2-40B4-BE49-F238E27FC236}">
-                <a16:creationId xmlns="" xmlns:a16="http://schemas.microsoft.com/office/drawing/2014/main" id="{8B3B9B68-0DFD-6749-A842-9F4CBBB3F1ED}"/>
+                <a16:creationId xmlns:a16="http://schemas.microsoft.com/office/drawing/2014/main" xmlns="" id="{8B3B9B68-0DFD-6749-A842-9F4CBBB3F1ED}"/>
               </a:ext>
             </a:extLst>
           </p:cNvPr>
@@ -4324,7 +4150,7 @@
           <p:cNvPr id="13" name="TextBox 12">
             <a:extLst>
               <a:ext uri="{FF2B5EF4-FFF2-40B4-BE49-F238E27FC236}">
-                <a16:creationId xmlns="" xmlns:a16="http://schemas.microsoft.com/office/drawing/2014/main" id="{2C88622C-E091-B944-94AC-EDD910C7C058}"/>
+                <a16:creationId xmlns:a16="http://schemas.microsoft.com/office/drawing/2014/main" xmlns="" id="{2C88622C-E091-B944-94AC-EDD910C7C058}"/>
               </a:ext>
             </a:extLst>
           </p:cNvPr>
@@ -4367,7 +4193,7 @@
           <p:cNvPr id="14" name="TextBox 13">
             <a:extLst>
               <a:ext uri="{FF2B5EF4-FFF2-40B4-BE49-F238E27FC236}">
-                <a16:creationId xmlns="" xmlns:a16="http://schemas.microsoft.com/office/drawing/2014/main" id="{03402B4F-9461-A241-B50B-10605174EFE5}"/>
+                <a16:creationId xmlns:a16="http://schemas.microsoft.com/office/drawing/2014/main" xmlns="" id="{03402B4F-9461-A241-B50B-10605174EFE5}"/>
               </a:ext>
             </a:extLst>
           </p:cNvPr>
@@ -4410,7 +4236,7 @@
           <p:cNvPr id="15" name="Straight Arrow Connector 4">
             <a:extLst>
               <a:ext uri="{FF2B5EF4-FFF2-40B4-BE49-F238E27FC236}">
-                <a16:creationId xmlns="" xmlns:a16="http://schemas.microsoft.com/office/drawing/2014/main" id="{99F2F860-FFFE-A444-9DBE-C9E99267503F}"/>
+                <a16:creationId xmlns:a16="http://schemas.microsoft.com/office/drawing/2014/main" xmlns="" id="{99F2F860-FFFE-A444-9DBE-C9E99267503F}"/>
               </a:ext>
             </a:extLst>
           </p:cNvPr>
@@ -4482,7 +4308,7 @@
       </p:grpSpPr>
       <p:pic>
         <p:nvPicPr>
-          <p:cNvPr id="9" name="Imagen 8"/>
+          <p:cNvPr id="3" name="Imagen 2"/>
           <p:cNvPicPr>
             <a:picLocks noChangeAspect="1"/>
           </p:cNvPicPr>
@@ -4496,8 +4322,8 @@
         </p:blipFill>
         <p:spPr>
           <a:xfrm>
-            <a:off x="263134" y="2367724"/>
-            <a:ext cx="5747349" cy="3141964"/>
+            <a:off x="179910" y="2164390"/>
+            <a:ext cx="6187378" cy="3294578"/>
           </a:xfrm>
           <a:prstGeom prst="rect">
             <a:avLst/>
@@ -4509,7 +4335,7 @@
           <p:cNvPr id="2" name="Title 1">
             <a:extLst>
               <a:ext uri="{FF2B5EF4-FFF2-40B4-BE49-F238E27FC236}">
-                <a16:creationId xmlns="" xmlns:a16="http://schemas.microsoft.com/office/drawing/2014/main" id="{3E46E269-ED81-D54B-8ACC-DB9E4BF1C28D}"/>
+                <a16:creationId xmlns:a16="http://schemas.microsoft.com/office/drawing/2014/main" xmlns="" id="{3E46E269-ED81-D54B-8ACC-DB9E4BF1C28D}"/>
               </a:ext>
             </a:extLst>
           </p:cNvPr>
@@ -4534,121 +4360,13 @@
       </p:sp>
       <p:sp>
         <p:nvSpPr>
-          <p:cNvPr id="6" name="CuadroTexto 5"/>
-          <p:cNvSpPr txBox="1"/>
-          <p:nvPr/>
-        </p:nvSpPr>
-        <p:spPr>
-          <a:xfrm>
-            <a:off x="2770632" y="1892808"/>
-            <a:ext cx="986039" cy="369332"/>
-          </a:xfrm>
-          <a:prstGeom prst="rect">
-            <a:avLst/>
-          </a:prstGeom>
-          <a:noFill/>
-        </p:spPr>
-        <p:txBody>
-          <a:bodyPr wrap="none" rtlCol="0">
-            <a:spAutoFit/>
-          </a:bodyPr>
-          <a:lstStyle/>
-          <a:p>
-            <a:r>
-              <a:rPr lang="es-CO" dirty="0" smtClean="0"/>
-              <a:t>Full data</a:t>
-            </a:r>
-            <a:endParaRPr lang="es-CO" dirty="0"/>
-          </a:p>
-        </p:txBody>
-      </p:sp>
-      <p:sp>
-        <p:nvSpPr>
-          <p:cNvPr id="7" name="CuadroTexto 6"/>
-          <p:cNvSpPr txBox="1"/>
-          <p:nvPr/>
-        </p:nvSpPr>
-        <p:spPr>
-          <a:xfrm>
-            <a:off x="7410496" y="1892808"/>
-            <a:ext cx="3247107" cy="369332"/>
-          </a:xfrm>
-          <a:prstGeom prst="rect">
-            <a:avLst/>
-          </a:prstGeom>
-          <a:noFill/>
-        </p:spPr>
-        <p:txBody>
-          <a:bodyPr wrap="none" rtlCol="0">
-            <a:spAutoFit/>
-          </a:bodyPr>
-          <a:lstStyle/>
-          <a:p>
-            <a:r>
-              <a:rPr lang="es-CO" dirty="0" err="1" smtClean="0"/>
-              <a:t>Only</a:t>
-            </a:r>
-            <a:r>
-              <a:rPr lang="es-CO" dirty="0" smtClean="0"/>
-              <a:t> rounds </a:t>
-            </a:r>
-            <a:r>
-              <a:rPr lang="es-CO" dirty="0" err="1" smtClean="0"/>
-              <a:t>with</a:t>
-            </a:r>
-            <a:r>
-              <a:rPr lang="es-CO" dirty="0" smtClean="0"/>
-              <a:t> </a:t>
-            </a:r>
-            <a:r>
-              <a:rPr lang="es-CO" dirty="0" err="1" smtClean="0"/>
-              <a:t>unicorn</a:t>
-            </a:r>
-            <a:r>
-              <a:rPr lang="es-CO" dirty="0" smtClean="0"/>
-              <a:t> </a:t>
-            </a:r>
-            <a:r>
-              <a:rPr lang="es-CO" dirty="0" err="1" smtClean="0"/>
-              <a:t>absent</a:t>
-            </a:r>
-            <a:endParaRPr lang="es-CO" dirty="0"/>
-          </a:p>
-        </p:txBody>
-      </p:sp>
-      <p:pic>
-        <p:nvPicPr>
-          <p:cNvPr id="10" name="Imagen 9"/>
-          <p:cNvPicPr>
-            <a:picLocks noChangeAspect="1"/>
-          </p:cNvPicPr>
-          <p:nvPr/>
-        </p:nvPicPr>
-        <p:blipFill>
-          <a:blip r:embed="rId3"/>
-          <a:stretch>
-            <a:fillRect/>
-          </a:stretch>
-        </p:blipFill>
-        <p:spPr>
-          <a:xfrm>
-            <a:off x="6010483" y="2299572"/>
-            <a:ext cx="6005574" cy="3287412"/>
-          </a:xfrm>
-          <a:prstGeom prst="rect">
-            <a:avLst/>
-          </a:prstGeom>
-        </p:spPr>
-      </p:pic>
-      <p:sp>
-        <p:nvSpPr>
           <p:cNvPr id="11" name="Elipse 10"/>
           <p:cNvSpPr/>
           <p:nvPr/>
         </p:nvSpPr>
         <p:spPr>
           <a:xfrm>
-            <a:off x="11280648" y="2633472"/>
+            <a:off x="5620512" y="2798160"/>
             <a:ext cx="662257" cy="841248"/>
           </a:xfrm>
           <a:prstGeom prst="ellipse">
@@ -4694,8 +4412,8 @@
         </p:nvSpPr>
         <p:spPr>
           <a:xfrm>
-            <a:off x="9235440" y="5907024"/>
-            <a:ext cx="960519" cy="369332"/>
+            <a:off x="4453128" y="5563338"/>
+            <a:ext cx="1364541" cy="369332"/>
           </a:xfrm>
           <a:prstGeom prst="rect">
             <a:avLst/>
@@ -4716,7 +4434,31 @@
             </a:r>
             <a:r>
               <a:rPr lang="es-CO" dirty="0" smtClean="0"/>
-              <a:t> = 6,32</a:t>
+              <a:t> </a:t>
+            </a:r>
+            <a:r>
+              <a:rPr lang="es-CO" dirty="0" err="1" smtClean="0"/>
+              <a:t>is</a:t>
+            </a:r>
+            <a:r>
+              <a:rPr lang="es-CO" dirty="0" smtClean="0"/>
+              <a:t> </a:t>
+            </a:r>
+            <a:r>
+              <a:rPr lang="es-CO" dirty="0" err="1" smtClean="0"/>
+              <a:t>too</a:t>
+            </a:r>
+            <a:r>
+              <a:rPr lang="es-CO" dirty="0" smtClean="0"/>
+              <a:t> </a:t>
+            </a:r>
+            <a:r>
+              <a:rPr lang="es-CO" dirty="0" err="1" smtClean="0"/>
+              <a:t>low</a:t>
+            </a:r>
+            <a:r>
+              <a:rPr lang="es-CO" dirty="0" smtClean="0"/>
+              <a:t>!</a:t>
             </a:r>
             <a:endParaRPr lang="es-CO" dirty="0"/>
           </a:p>
@@ -4730,8 +4472,8 @@
         </p:nvSpPr>
         <p:spPr>
           <a:xfrm>
-            <a:off x="9108222" y="5671066"/>
-            <a:ext cx="1124712" cy="841248"/>
+            <a:off x="4791855" y="5202936"/>
+            <a:ext cx="529953" cy="329184"/>
           </a:xfrm>
           <a:prstGeom prst="ellipse">
             <a:avLst/>
@@ -4768,6 +4510,30 @@
           </a:p>
         </p:txBody>
       </p:sp>
+      <p:pic>
+        <p:nvPicPr>
+          <p:cNvPr id="4" name="Imagen 3"/>
+          <p:cNvPicPr>
+            <a:picLocks noChangeAspect="1"/>
+          </p:cNvPicPr>
+          <p:nvPr/>
+        </p:nvPicPr>
+        <p:blipFill>
+          <a:blip r:embed="rId3"/>
+          <a:stretch>
+            <a:fillRect/>
+          </a:stretch>
+        </p:blipFill>
+        <p:spPr>
+          <a:xfrm>
+            <a:off x="6624880" y="2461519"/>
+            <a:ext cx="5509145" cy="2933441"/>
+          </a:xfrm>
+          <a:prstGeom prst="rect">
+            <a:avLst/>
+          </a:prstGeom>
+        </p:spPr>
+      </p:pic>
     </p:spTree>
     <p:extLst>
       <p:ext uri="{BB962C8B-B14F-4D97-AF65-F5344CB8AC3E}">
@@ -4935,7 +4701,7 @@
           <p:cNvPr id="4" name="Straight Arrow Connector 3">
             <a:extLst>
               <a:ext uri="{FF2B5EF4-FFF2-40B4-BE49-F238E27FC236}">
-                <a16:creationId xmlns="" xmlns:a16="http://schemas.microsoft.com/office/drawing/2014/main" id="{E7FE2886-F566-8A46-9120-E43BADA9966C}"/>
+                <a16:creationId xmlns:a16="http://schemas.microsoft.com/office/drawing/2014/main" xmlns="" id="{E7FE2886-F566-8A46-9120-E43BADA9966C}"/>
               </a:ext>
             </a:extLst>
           </p:cNvPr>
@@ -4980,7 +4746,7 @@
           <p:cNvPr id="6" name="TextBox 5">
             <a:extLst>
               <a:ext uri="{FF2B5EF4-FFF2-40B4-BE49-F238E27FC236}">
-                <a16:creationId xmlns="" xmlns:a16="http://schemas.microsoft.com/office/drawing/2014/main" id="{789D0C48-B5D0-2A42-9713-CB6873CF10CC}"/>
+                <a16:creationId xmlns:a16="http://schemas.microsoft.com/office/drawing/2014/main" xmlns="" id="{789D0C48-B5D0-2A42-9713-CB6873CF10CC}"/>
               </a:ext>
             </a:extLst>
           </p:cNvPr>
@@ -5037,7 +4803,7 @@
           <p:cNvPr id="8" name="Straight Arrow Connector 7">
             <a:extLst>
               <a:ext uri="{FF2B5EF4-FFF2-40B4-BE49-F238E27FC236}">
-                <a16:creationId xmlns="" xmlns:a16="http://schemas.microsoft.com/office/drawing/2014/main" id="{9D307967-B0D0-8D4D-8067-34149EAE5024}"/>
+                <a16:creationId xmlns:a16="http://schemas.microsoft.com/office/drawing/2014/main" xmlns="" id="{9D307967-B0D0-8D4D-8067-34149EAE5024}"/>
               </a:ext>
             </a:extLst>
           </p:cNvPr>
@@ -5082,7 +4848,7 @@
           <p:cNvPr id="9" name="TextBox 8">
             <a:extLst>
               <a:ext uri="{FF2B5EF4-FFF2-40B4-BE49-F238E27FC236}">
-                <a16:creationId xmlns="" xmlns:a16="http://schemas.microsoft.com/office/drawing/2014/main" id="{2FC1F1EF-FC6E-7540-9E06-C4999F813FC3}"/>
+                <a16:creationId xmlns:a16="http://schemas.microsoft.com/office/drawing/2014/main" xmlns="" id="{2FC1F1EF-FC6E-7540-9E06-C4999F813FC3}"/>
               </a:ext>
             </a:extLst>
           </p:cNvPr>
@@ -5125,7 +4891,7 @@
           <p:cNvPr id="10" name="Straight Arrow Connector 9">
             <a:extLst>
               <a:ext uri="{FF2B5EF4-FFF2-40B4-BE49-F238E27FC236}">
-                <a16:creationId xmlns="" xmlns:a16="http://schemas.microsoft.com/office/drawing/2014/main" id="{D9FED2B4-98DB-A044-AA0C-01DDE072259C}"/>
+                <a16:creationId xmlns:a16="http://schemas.microsoft.com/office/drawing/2014/main" xmlns="" id="{D9FED2B4-98DB-A044-AA0C-01DDE072259C}"/>
               </a:ext>
             </a:extLst>
           </p:cNvPr>
@@ -5172,7 +4938,7 @@
           <p:cNvPr id="13" name="TextBox 12">
             <a:extLst>
               <a:ext uri="{FF2B5EF4-FFF2-40B4-BE49-F238E27FC236}">
-                <a16:creationId xmlns="" xmlns:a16="http://schemas.microsoft.com/office/drawing/2014/main" id="{777A7566-2F7B-9746-90A3-C8CA66F1755A}"/>
+                <a16:creationId xmlns:a16="http://schemas.microsoft.com/office/drawing/2014/main" xmlns="" id="{777A7566-2F7B-9746-90A3-C8CA66F1755A}"/>
               </a:ext>
             </a:extLst>
           </p:cNvPr>
@@ -5240,7 +5006,7 @@
       </p:grpSpPr>
       <p:pic>
         <p:nvPicPr>
-          <p:cNvPr id="3" name="Imagen 2"/>
+          <p:cNvPr id="8" name="Imagen 7"/>
           <p:cNvPicPr>
             <a:picLocks noChangeAspect="1"/>
           </p:cNvPicPr>
@@ -5254,44 +5020,20 @@
         </p:blipFill>
         <p:spPr>
           <a:xfrm>
-            <a:off x="5861304" y="2262140"/>
-            <a:ext cx="6081601" cy="3329028"/>
+            <a:off x="201168" y="2224760"/>
+            <a:ext cx="5926153" cy="3155484"/>
           </a:xfrm>
           <a:prstGeom prst="rect">
             <a:avLst/>
           </a:prstGeom>
         </p:spPr>
       </p:pic>
-      <p:pic>
-        <p:nvPicPr>
-          <p:cNvPr id="9" name="Imagen 8"/>
-          <p:cNvPicPr>
-            <a:picLocks noChangeAspect="1"/>
-          </p:cNvPicPr>
-          <p:nvPr/>
-        </p:nvPicPr>
-        <p:blipFill>
-          <a:blip r:embed="rId3"/>
-          <a:stretch>
-            <a:fillRect/>
-          </a:stretch>
-        </p:blipFill>
-        <p:spPr>
-          <a:xfrm>
-            <a:off x="263134" y="2367724"/>
-            <a:ext cx="5747349" cy="3141964"/>
-          </a:xfrm>
-          <a:prstGeom prst="rect">
-            <a:avLst/>
-          </a:prstGeom>
-        </p:spPr>
-      </p:pic>
       <p:sp>
         <p:nvSpPr>
           <p:cNvPr id="2" name="Title 1">
             <a:extLst>
               <a:ext uri="{FF2B5EF4-FFF2-40B4-BE49-F238E27FC236}">
-                <a16:creationId xmlns="" xmlns:a16="http://schemas.microsoft.com/office/drawing/2014/main" id="{3E46E269-ED81-D54B-8ACC-DB9E4BF1C28D}"/>
+                <a16:creationId xmlns:a16="http://schemas.microsoft.com/office/drawing/2014/main" xmlns="" id="{3E46E269-ED81-D54B-8ACC-DB9E4BF1C28D}"/>
               </a:ext>
             </a:extLst>
           </p:cNvPr>
@@ -5313,93 +5055,17 @@
             </a:r>
             <a:r>
               <a:rPr lang="en-US" dirty="0" smtClean="0"/>
-              <a:t>recovery (Score correction)</a:t>
+              <a:t>recovery (</a:t>
+            </a:r>
+            <a:r>
+              <a:rPr lang="en-US" sz="4000" dirty="0" smtClean="0"/>
+              <a:t>Score correction</a:t>
+            </a:r>
+            <a:r>
+              <a:rPr lang="en-US" dirty="0" smtClean="0"/>
+              <a:t>)</a:t>
             </a:r>
             <a:endParaRPr lang="en-US" dirty="0"/>
-          </a:p>
-        </p:txBody>
-      </p:sp>
-      <p:sp>
-        <p:nvSpPr>
-          <p:cNvPr id="6" name="CuadroTexto 5"/>
-          <p:cNvSpPr txBox="1"/>
-          <p:nvPr/>
-        </p:nvSpPr>
-        <p:spPr>
-          <a:xfrm>
-            <a:off x="2770632" y="1892808"/>
-            <a:ext cx="986039" cy="369332"/>
-          </a:xfrm>
-          <a:prstGeom prst="rect">
-            <a:avLst/>
-          </a:prstGeom>
-          <a:noFill/>
-        </p:spPr>
-        <p:txBody>
-          <a:bodyPr wrap="none" rtlCol="0">
-            <a:spAutoFit/>
-          </a:bodyPr>
-          <a:lstStyle/>
-          <a:p>
-            <a:r>
-              <a:rPr lang="es-CO" dirty="0" smtClean="0"/>
-              <a:t>Full data</a:t>
-            </a:r>
-            <a:endParaRPr lang="es-CO" dirty="0"/>
-          </a:p>
-        </p:txBody>
-      </p:sp>
-      <p:sp>
-        <p:nvSpPr>
-          <p:cNvPr id="7" name="CuadroTexto 6"/>
-          <p:cNvSpPr txBox="1"/>
-          <p:nvPr/>
-        </p:nvSpPr>
-        <p:spPr>
-          <a:xfrm>
-            <a:off x="7410496" y="1892808"/>
-            <a:ext cx="3247107" cy="369332"/>
-          </a:xfrm>
-          <a:prstGeom prst="rect">
-            <a:avLst/>
-          </a:prstGeom>
-          <a:noFill/>
-        </p:spPr>
-        <p:txBody>
-          <a:bodyPr wrap="none" rtlCol="0">
-            <a:spAutoFit/>
-          </a:bodyPr>
-          <a:lstStyle/>
-          <a:p>
-            <a:r>
-              <a:rPr lang="es-CO" dirty="0" err="1" smtClean="0"/>
-              <a:t>Only</a:t>
-            </a:r>
-            <a:r>
-              <a:rPr lang="es-CO" dirty="0" smtClean="0"/>
-              <a:t> rounds </a:t>
-            </a:r>
-            <a:r>
-              <a:rPr lang="es-CO" dirty="0" err="1" smtClean="0"/>
-              <a:t>with</a:t>
-            </a:r>
-            <a:r>
-              <a:rPr lang="es-CO" dirty="0" smtClean="0"/>
-              <a:t> </a:t>
-            </a:r>
-            <a:r>
-              <a:rPr lang="es-CO" dirty="0" err="1" smtClean="0"/>
-              <a:t>unicorn</a:t>
-            </a:r>
-            <a:r>
-              <a:rPr lang="es-CO" dirty="0" smtClean="0"/>
-              <a:t> </a:t>
-            </a:r>
-            <a:r>
-              <a:rPr lang="es-CO" dirty="0" err="1" smtClean="0"/>
-              <a:t>absent</a:t>
-            </a:r>
-            <a:endParaRPr lang="es-CO" dirty="0"/>
           </a:p>
         </p:txBody>
       </p:sp>
@@ -5411,7 +5077,7 @@
         </p:nvSpPr>
         <p:spPr>
           <a:xfrm>
-            <a:off x="11125200" y="2624328"/>
+            <a:off x="5263896" y="2569464"/>
             <a:ext cx="662257" cy="841248"/>
           </a:xfrm>
           <a:prstGeom prst="ellipse">
@@ -5457,8 +5123,8 @@
         </p:nvSpPr>
         <p:spPr>
           <a:xfrm>
-            <a:off x="9155395" y="5907024"/>
-            <a:ext cx="1048685" cy="369332"/>
+            <a:off x="3294091" y="5852160"/>
+            <a:ext cx="909223" cy="369332"/>
           </a:xfrm>
           <a:prstGeom prst="rect">
             <a:avLst/>
@@ -5479,7 +5145,11 @@
             </a:r>
             <a:r>
               <a:rPr lang="es-CO" dirty="0" smtClean="0"/>
-              <a:t> = 29,43</a:t>
+              <a:t> = </a:t>
+            </a:r>
+            <a:r>
+              <a:rPr lang="es-CO" dirty="0" smtClean="0"/>
+              <a:t>28,7</a:t>
             </a:r>
             <a:endParaRPr lang="es-CO" dirty="0"/>
           </a:p>
@@ -5493,7 +5163,7 @@
         </p:nvSpPr>
         <p:spPr>
           <a:xfrm>
-            <a:off x="9108222" y="5671066"/>
+            <a:off x="3246918" y="5616202"/>
             <a:ext cx="1124712" cy="841248"/>
           </a:xfrm>
           <a:prstGeom prst="ellipse">
@@ -5531,6 +5201,30 @@
           </a:p>
         </p:txBody>
       </p:sp>
+      <p:pic>
+        <p:nvPicPr>
+          <p:cNvPr id="4" name="Imagen 3"/>
+          <p:cNvPicPr>
+            <a:picLocks noChangeAspect="1"/>
+          </p:cNvPicPr>
+          <p:nvPr/>
+        </p:nvPicPr>
+        <p:blipFill>
+          <a:blip r:embed="rId3"/>
+          <a:stretch>
+            <a:fillRect/>
+          </a:stretch>
+        </p:blipFill>
+        <p:spPr>
+          <a:xfrm>
+            <a:off x="6542535" y="2697480"/>
+            <a:ext cx="5481502" cy="2918722"/>
+          </a:xfrm>
+          <a:prstGeom prst="rect">
+            <a:avLst/>
+          </a:prstGeom>
+        </p:spPr>
+      </p:pic>
     </p:spTree>
     <p:extLst>
       <p:ext uri="{BB962C8B-B14F-4D97-AF65-F5344CB8AC3E}">
